--- a/digital marketing(prince kumar)..pptx
+++ b/digital marketing(prince kumar)..pptx
@@ -5,7 +5,7 @@
     <p:sldMasterId id="2147483672" r:id="rId1"/>
   </p:sldMasterIdLst>
   <p:notesMasterIdLst>
-    <p:notesMasterId r:id="rId22"/>
+    <p:notesMasterId r:id="rId23"/>
   </p:notesMasterIdLst>
   <p:sldIdLst>
     <p:sldId id="256" r:id="rId2"/>
@@ -20,14 +20,15 @@
     <p:sldId id="265" r:id="rId11"/>
     <p:sldId id="268" r:id="rId12"/>
     <p:sldId id="269" r:id="rId13"/>
-    <p:sldId id="272" r:id="rId14"/>
-    <p:sldId id="270" r:id="rId15"/>
-    <p:sldId id="271" r:id="rId16"/>
-    <p:sldId id="276" r:id="rId17"/>
-    <p:sldId id="273" r:id="rId18"/>
-    <p:sldId id="274" r:id="rId19"/>
-    <p:sldId id="275" r:id="rId20"/>
-    <p:sldId id="277" r:id="rId21"/>
+    <p:sldId id="278" r:id="rId14"/>
+    <p:sldId id="272" r:id="rId15"/>
+    <p:sldId id="270" r:id="rId16"/>
+    <p:sldId id="271" r:id="rId17"/>
+    <p:sldId id="276" r:id="rId18"/>
+    <p:sldId id="273" r:id="rId19"/>
+    <p:sldId id="274" r:id="rId20"/>
+    <p:sldId id="275" r:id="rId21"/>
+    <p:sldId id="277" r:id="rId22"/>
   </p:sldIdLst>
   <p:sldSz cx="9144000" cy="6858000" type="screen4x3"/>
   <p:notesSz cx="6858000" cy="9144000"/>
@@ -547,6 +548,88 @@
               <a:rPr lang="en-US" smtClean="0"/>
               <a:pPr/>
               <a:t>11</a:t>
+            </a:fld>
+            <a:endParaRPr lang="en-US"/>
+          </a:p>
+        </p:txBody>
+      </p:sp>
+    </p:spTree>
+  </p:cSld>
+  <p:clrMapOvr>
+    <a:masterClrMapping/>
+  </p:clrMapOvr>
+</p:notes>
+</file>
+
+<file path=ppt/notesSlides/notesSlide2.xml><?xml version="1.0" encoding="utf-8"?>
+<p:notes xmlns:a="http://schemas.openxmlformats.org/drawingml/2006/main" xmlns:r="http://schemas.openxmlformats.org/officeDocument/2006/relationships" xmlns:p="http://schemas.openxmlformats.org/presentationml/2006/main">
+  <p:cSld>
+    <p:spTree>
+      <p:nvGrpSpPr>
+        <p:cNvPr id="1" name=""/>
+        <p:cNvGrpSpPr/>
+        <p:nvPr/>
+      </p:nvGrpSpPr>
+      <p:grpSpPr>
+        <a:xfrm>
+          <a:off x="0" y="0"/>
+          <a:ext cx="0" cy="0"/>
+          <a:chOff x="0" y="0"/>
+          <a:chExt cx="0" cy="0"/>
+        </a:xfrm>
+      </p:grpSpPr>
+      <p:sp>
+        <p:nvSpPr>
+          <p:cNvPr id="2" name="Slide Image Placeholder 1"/>
+          <p:cNvSpPr>
+            <a:spLocks noGrp="1" noRot="1" noChangeAspect="1"/>
+          </p:cNvSpPr>
+          <p:nvPr>
+            <p:ph type="sldImg"/>
+          </p:nvPr>
+        </p:nvSpPr>
+        <p:spPr/>
+      </p:sp>
+      <p:sp>
+        <p:nvSpPr>
+          <p:cNvPr id="3" name="Notes Placeholder 2"/>
+          <p:cNvSpPr>
+            <a:spLocks noGrp="1"/>
+          </p:cNvSpPr>
+          <p:nvPr>
+            <p:ph type="body" idx="1"/>
+          </p:nvPr>
+        </p:nvSpPr>
+        <p:spPr/>
+        <p:txBody>
+          <a:bodyPr>
+            <a:normAutofit/>
+          </a:bodyPr>
+          <a:lstStyle/>
+          <a:p>
+            <a:endParaRPr lang="en-US" dirty="0"/>
+          </a:p>
+        </p:txBody>
+      </p:sp>
+      <p:sp>
+        <p:nvSpPr>
+          <p:cNvPr id="4" name="Slide Number Placeholder 3"/>
+          <p:cNvSpPr>
+            <a:spLocks noGrp="1"/>
+          </p:cNvSpPr>
+          <p:nvPr>
+            <p:ph type="sldNum" sz="quarter" idx="10"/>
+          </p:nvPr>
+        </p:nvSpPr>
+        <p:spPr/>
+        <p:txBody>
+          <a:bodyPr/>
+          <a:lstStyle/>
+          <a:p>
+            <a:fld id="{894AFBB7-8F46-4DCD-B804-7F9B666BDD86}" type="slidenum">
+              <a:rPr lang="en-US" smtClean="0"/>
+              <a:pPr/>
+              <a:t>13</a:t>
             </a:fld>
             <a:endParaRPr lang="en-US"/>
           </a:p>
@@ -4306,6 +4389,731 @@
           <a:p>
             <a:r>
               <a:rPr lang="en-US" dirty="0" smtClean="0"/>
+              <a:t>Keyword for brand the brand website</a:t>
+            </a:r>
+            <a:endParaRPr lang="en-US" dirty="0"/>
+          </a:p>
+        </p:txBody>
+      </p:sp>
+      <p:sp>
+        <p:nvSpPr>
+          <p:cNvPr id="3" name="Content Placeholder 2"/>
+          <p:cNvSpPr>
+            <a:spLocks noGrp="1"/>
+          </p:cNvSpPr>
+          <p:nvPr>
+            <p:ph idx="1"/>
+          </p:nvPr>
+        </p:nvSpPr>
+        <p:spPr>
+          <a:xfrm>
+            <a:off x="228600" y="1524000"/>
+            <a:ext cx="4191000" cy="5029200"/>
+          </a:xfrm>
+        </p:spPr>
+        <p:txBody>
+          <a:bodyPr>
+            <a:normAutofit fontScale="55000" lnSpcReduction="20000"/>
+          </a:bodyPr>
+          <a:lstStyle/>
+          <a:p>
+            <a:r>
+              <a:rPr lang="en-US" dirty="0" smtClean="0"/>
+              <a:t>Keyword Stats 2024-08-26 at 19_04_20</a:t>
+            </a:r>
+          </a:p>
+          <a:p>
+            <a:r>
+              <a:rPr lang="en-US" dirty="0" smtClean="0"/>
+              <a:t>August 1, 2023 - July 31, 2024</a:t>
+            </a:r>
+          </a:p>
+          <a:p>
+            <a:r>
+              <a:rPr lang="en-US" dirty="0" smtClean="0"/>
+              <a:t>Keyword</a:t>
+            </a:r>
+          </a:p>
+          <a:p>
+            <a:r>
+              <a:rPr lang="en-US" dirty="0" smtClean="0"/>
+              <a:t>best wipes for sensitive skin</a:t>
+            </a:r>
+          </a:p>
+          <a:p>
+            <a:r>
+              <a:rPr lang="en-US" dirty="0" err="1" smtClean="0"/>
+              <a:t>mustela</a:t>
+            </a:r>
+            <a:r>
+              <a:rPr lang="en-US" dirty="0" smtClean="0"/>
+              <a:t> gentle cleansing gel 500ml</a:t>
+            </a:r>
+          </a:p>
+          <a:p>
+            <a:r>
+              <a:rPr lang="en-US" dirty="0" smtClean="0"/>
+              <a:t>best wet wipes for sensitive skin</a:t>
+            </a:r>
+          </a:p>
+          <a:p>
+            <a:r>
+              <a:rPr lang="en-US" dirty="0" smtClean="0"/>
+              <a:t>best diaper wipes for sensitive skin</a:t>
+            </a:r>
+          </a:p>
+          <a:p>
+            <a:r>
+              <a:rPr lang="en-US" dirty="0" smtClean="0"/>
+              <a:t>best soap for newborn sensitive skin</a:t>
+            </a:r>
+          </a:p>
+          <a:p>
+            <a:r>
+              <a:rPr lang="en-US" dirty="0" smtClean="0"/>
+              <a:t>best diaper rash cream sensitive </a:t>
+            </a:r>
+            <a:r>
+              <a:rPr lang="en-US" dirty="0" smtClean="0"/>
+              <a:t>skin</a:t>
+            </a:r>
+            <a:endParaRPr lang="en-US" dirty="0" smtClean="0"/>
+          </a:p>
+          <a:p>
+            <a:r>
+              <a:rPr lang="en-US" dirty="0" smtClean="0"/>
+              <a:t>best lotion for newborn sensitive skin</a:t>
+            </a:r>
+          </a:p>
+          <a:p>
+            <a:r>
+              <a:rPr lang="en-US" dirty="0" smtClean="0"/>
+              <a:t>best soap for infants with sensitive </a:t>
+            </a:r>
+            <a:r>
+              <a:rPr lang="en-US" dirty="0" smtClean="0"/>
+              <a:t>skin</a:t>
+            </a:r>
+            <a:endParaRPr lang="en-US" dirty="0" smtClean="0"/>
+          </a:p>
+          <a:p>
+            <a:r>
+              <a:rPr lang="en-US" dirty="0" smtClean="0"/>
+              <a:t>best water wipes for sensitive skin</a:t>
+            </a:r>
+          </a:p>
+          <a:p>
+            <a:r>
+              <a:rPr lang="en-US" dirty="0" err="1" smtClean="0"/>
+              <a:t>cetaphil</a:t>
+            </a:r>
+            <a:r>
+              <a:rPr lang="en-US" dirty="0" smtClean="0"/>
+              <a:t> top to toe wash</a:t>
+            </a:r>
+          </a:p>
+          <a:p>
+            <a:r>
+              <a:rPr lang="en-US" dirty="0" err="1" smtClean="0"/>
+              <a:t>chicco</a:t>
+            </a:r>
+            <a:r>
+              <a:rPr lang="en-US" dirty="0" smtClean="0"/>
+              <a:t> top to toe wash</a:t>
+            </a:r>
+          </a:p>
+          <a:p>
+            <a:r>
+              <a:rPr lang="en-US" dirty="0" smtClean="0"/>
+              <a:t>best baby hygiene</a:t>
+            </a:r>
+          </a:p>
+          <a:p>
+            <a:r>
+              <a:rPr lang="en-US" dirty="0" err="1" smtClean="0"/>
+              <a:t>himalaya</a:t>
+            </a:r>
+            <a:r>
+              <a:rPr lang="en-US" dirty="0" smtClean="0"/>
+              <a:t> top to toe wash</a:t>
+            </a:r>
+          </a:p>
+          <a:p>
+            <a:r>
+              <a:rPr lang="en-US" dirty="0" smtClean="0"/>
+              <a:t>love boo very gentle top to toe wash</a:t>
+            </a:r>
+          </a:p>
+          <a:p>
+            <a:r>
+              <a:rPr lang="en-US" dirty="0" smtClean="0"/>
+              <a:t>top to toe wash newborn</a:t>
+            </a:r>
+          </a:p>
+          <a:p>
+            <a:r>
+              <a:rPr lang="en-US" dirty="0" smtClean="0"/>
+              <a:t>best gentle baby product</a:t>
+            </a:r>
+          </a:p>
+          <a:p>
+            <a:endParaRPr lang="en-US" dirty="0"/>
+          </a:p>
+        </p:txBody>
+      </p:sp>
+      <p:sp>
+        <p:nvSpPr>
+          <p:cNvPr id="4" name="Content Placeholder 2"/>
+          <p:cNvSpPr txBox="1">
+            <a:spLocks/>
+          </p:cNvSpPr>
+          <p:nvPr/>
+        </p:nvSpPr>
+        <p:spPr>
+          <a:xfrm>
+            <a:off x="4724400" y="1219200"/>
+            <a:ext cx="2057400" cy="4953000"/>
+          </a:xfrm>
+          <a:prstGeom prst="rect">
+            <a:avLst/>
+          </a:prstGeom>
+        </p:spPr>
+        <p:txBody>
+          <a:bodyPr vert="horz">
+            <a:normAutofit fontScale="62500" lnSpcReduction="20000"/>
+          </a:bodyPr>
+          <a:lstStyle/>
+          <a:p>
+            <a:pPr marL="548640" marR="0" lvl="0" indent="-411480" algn="l" defTabSz="914400" rtl="0" eaLnBrk="1" fontAlgn="auto" latinLnBrk="0" hangingPunct="1">
+              <a:lnSpc>
+                <a:spcPct val="100000"/>
+              </a:lnSpc>
+              <a:spcBef>
+                <a:spcPct val="20000"/>
+              </a:spcBef>
+              <a:spcAft>
+                <a:spcPts val="0"/>
+              </a:spcAft>
+              <a:buClr>
+                <a:schemeClr val="tx1">
+                  <a:shade val="95000"/>
+                </a:schemeClr>
+              </a:buClr>
+              <a:buSzPct val="65000"/>
+              <a:tabLst/>
+              <a:defRPr/>
+            </a:pPr>
+            <a:endParaRPr kumimoji="0" lang="en-US" sz="2800" b="0" i="0" u="none" strike="noStrike" kern="1200" cap="none" spc="0" normalizeH="0" baseline="0" noProof="0" dirty="0" smtClean="0">
+              <a:ln>
+                <a:noFill/>
+              </a:ln>
+              <a:solidFill>
+                <a:schemeClr val="tx1"/>
+              </a:solidFill>
+              <a:effectLst/>
+              <a:uLnTx/>
+              <a:uFillTx/>
+              <a:latin typeface="+mn-lt"/>
+              <a:ea typeface="+mn-ea"/>
+              <a:cs typeface="+mn-cs"/>
+            </a:endParaRPr>
+          </a:p>
+          <a:p>
+            <a:r>
+              <a:rPr lang="en-US" sz="2800" dirty="0" smtClean="0"/>
+              <a:t>Average monthly search</a:t>
+            </a:r>
+          </a:p>
+          <a:p>
+            <a:endParaRPr lang="en-US" sz="2800" dirty="0" smtClean="0"/>
+          </a:p>
+          <a:p>
+            <a:r>
+              <a:rPr lang="en-US" sz="2800" dirty="0" smtClean="0"/>
+              <a:t>500</a:t>
+            </a:r>
+          </a:p>
+          <a:p>
+            <a:r>
+              <a:rPr lang="en-US" sz="2800" dirty="0" smtClean="0"/>
+              <a:t>50</a:t>
+            </a:r>
+          </a:p>
+          <a:p>
+            <a:r>
+              <a:rPr lang="en-US" sz="2800" dirty="0" smtClean="0"/>
+              <a:t>50</a:t>
+            </a:r>
+          </a:p>
+          <a:p>
+            <a:r>
+              <a:rPr lang="en-US" sz="2800" dirty="0" smtClean="0"/>
+              <a:t>50</a:t>
+            </a:r>
+          </a:p>
+          <a:p>
+            <a:r>
+              <a:rPr lang="en-US" sz="2800" dirty="0" smtClean="0"/>
+              <a:t>500</a:t>
+            </a:r>
+          </a:p>
+          <a:p>
+            <a:r>
+              <a:rPr lang="en-US" sz="2800" dirty="0" smtClean="0"/>
+              <a:t>50</a:t>
+            </a:r>
+          </a:p>
+          <a:p>
+            <a:r>
+              <a:rPr lang="en-US" sz="2800" dirty="0" smtClean="0"/>
+              <a:t>50</a:t>
+            </a:r>
+          </a:p>
+          <a:p>
+            <a:r>
+              <a:rPr lang="en-US" sz="2800" dirty="0" smtClean="0"/>
+              <a:t>500</a:t>
+            </a:r>
+          </a:p>
+          <a:p>
+            <a:r>
+              <a:rPr lang="en-US" sz="2800" dirty="0" smtClean="0"/>
+              <a:t>50</a:t>
+            </a:r>
+          </a:p>
+          <a:p>
+            <a:r>
+              <a:rPr lang="en-US" sz="2800" dirty="0" smtClean="0"/>
+              <a:t>50</a:t>
+            </a:r>
+          </a:p>
+          <a:p>
+            <a:r>
+              <a:rPr lang="en-US" sz="2800" dirty="0" smtClean="0"/>
+              <a:t>50</a:t>
+            </a:r>
+          </a:p>
+          <a:p>
+            <a:r>
+              <a:rPr lang="en-US" sz="2800" dirty="0" smtClean="0"/>
+              <a:t> </a:t>
+            </a:r>
+            <a:endParaRPr lang="en-US" sz="2800" dirty="0" smtClean="0"/>
+          </a:p>
+          <a:p>
+            <a:endParaRPr lang="en-US" sz="2800" dirty="0" smtClean="0"/>
+          </a:p>
+          <a:p>
+            <a:r>
+              <a:rPr lang="en-US" sz="2800" dirty="0" smtClean="0"/>
+              <a:t>50</a:t>
+            </a:r>
+          </a:p>
+          <a:p>
+            <a:r>
+              <a:rPr lang="en-US" sz="2800" dirty="0" smtClean="0"/>
+              <a:t>50</a:t>
+            </a:r>
+          </a:p>
+          <a:p>
+            <a:r>
+              <a:rPr lang="en-US" sz="2800" dirty="0" smtClean="0"/>
+              <a:t>500</a:t>
+            </a:r>
+          </a:p>
+          <a:p>
+            <a:pPr marL="548640" marR="0" lvl="0" indent="-411480" algn="l" defTabSz="914400" rtl="0" eaLnBrk="1" fontAlgn="auto" latinLnBrk="0" hangingPunct="1">
+              <a:lnSpc>
+                <a:spcPct val="100000"/>
+              </a:lnSpc>
+              <a:spcBef>
+                <a:spcPct val="20000"/>
+              </a:spcBef>
+              <a:spcAft>
+                <a:spcPts val="0"/>
+              </a:spcAft>
+              <a:buClr>
+                <a:schemeClr val="tx1">
+                  <a:shade val="95000"/>
+                </a:schemeClr>
+              </a:buClr>
+              <a:buSzPct val="65000"/>
+              <a:buFont typeface="Wingdings 2"/>
+              <a:buChar char=""/>
+              <a:tabLst/>
+              <a:defRPr/>
+            </a:pPr>
+            <a:endParaRPr kumimoji="0" lang="en-US" sz="2800" b="0" i="0" u="none" strike="noStrike" kern="1200" cap="none" spc="0" normalizeH="0" baseline="0" noProof="0" dirty="0" smtClean="0">
+              <a:ln>
+                <a:noFill/>
+              </a:ln>
+              <a:solidFill>
+                <a:schemeClr val="tx1"/>
+              </a:solidFill>
+              <a:effectLst/>
+              <a:uLnTx/>
+              <a:uFillTx/>
+              <a:latin typeface="+mn-lt"/>
+              <a:ea typeface="+mn-ea"/>
+              <a:cs typeface="+mn-cs"/>
+            </a:endParaRPr>
+          </a:p>
+          <a:p>
+            <a:pPr marL="548640" marR="0" lvl="0" indent="-411480" algn="l" defTabSz="914400" rtl="0" eaLnBrk="1" fontAlgn="auto" latinLnBrk="0" hangingPunct="1">
+              <a:lnSpc>
+                <a:spcPct val="100000"/>
+              </a:lnSpc>
+              <a:spcBef>
+                <a:spcPct val="20000"/>
+              </a:spcBef>
+              <a:spcAft>
+                <a:spcPts val="0"/>
+              </a:spcAft>
+              <a:buClr>
+                <a:schemeClr val="tx1">
+                  <a:shade val="95000"/>
+                </a:schemeClr>
+              </a:buClr>
+              <a:buSzPct val="65000"/>
+              <a:buFont typeface="Wingdings 2"/>
+              <a:buChar char=""/>
+              <a:tabLst/>
+              <a:defRPr/>
+            </a:pPr>
+            <a:endParaRPr kumimoji="0" lang="en-US" sz="2800" b="0" i="0" u="none" strike="noStrike" kern="1200" cap="none" spc="0" normalizeH="0" baseline="0" noProof="0" dirty="0">
+              <a:ln>
+                <a:noFill/>
+              </a:ln>
+              <a:solidFill>
+                <a:schemeClr val="tx1"/>
+              </a:solidFill>
+              <a:effectLst/>
+              <a:uLnTx/>
+              <a:uFillTx/>
+              <a:latin typeface="+mn-lt"/>
+              <a:ea typeface="+mn-ea"/>
+              <a:cs typeface="+mn-cs"/>
+            </a:endParaRPr>
+          </a:p>
+        </p:txBody>
+      </p:sp>
+      <p:sp>
+        <p:nvSpPr>
+          <p:cNvPr id="5" name="Rectangle 4"/>
+          <p:cNvSpPr/>
+          <p:nvPr/>
+        </p:nvSpPr>
+        <p:spPr>
+          <a:xfrm>
+            <a:off x="4419600" y="1447800"/>
+            <a:ext cx="4572000" cy="646331"/>
+          </a:xfrm>
+          <a:prstGeom prst="rect">
+            <a:avLst/>
+          </a:prstGeom>
+        </p:spPr>
+        <p:txBody>
+          <a:bodyPr wrap="square">
+            <a:spAutoFit/>
+          </a:bodyPr>
+          <a:lstStyle/>
+          <a:p>
+            <a:endParaRPr lang="en-US" dirty="0" smtClean="0"/>
+          </a:p>
+          <a:p>
+            <a:endParaRPr lang="en-US" dirty="0"/>
+          </a:p>
+        </p:txBody>
+      </p:sp>
+      <p:sp>
+        <p:nvSpPr>
+          <p:cNvPr id="7" name="Content Placeholder 2"/>
+          <p:cNvSpPr txBox="1">
+            <a:spLocks/>
+          </p:cNvSpPr>
+          <p:nvPr/>
+        </p:nvSpPr>
+        <p:spPr>
+          <a:xfrm>
+            <a:off x="7086600" y="1524000"/>
+            <a:ext cx="2057400" cy="5105400"/>
+          </a:xfrm>
+          <a:prstGeom prst="rect">
+            <a:avLst/>
+          </a:prstGeom>
+        </p:spPr>
+        <p:txBody>
+          <a:bodyPr vert="horz">
+            <a:normAutofit/>
+          </a:bodyPr>
+          <a:lstStyle/>
+          <a:p>
+            <a:pPr marL="548640" marR="0" lvl="0" indent="-411480" algn="l" defTabSz="914400" rtl="0" eaLnBrk="1" fontAlgn="auto" latinLnBrk="0" hangingPunct="1">
+              <a:lnSpc>
+                <a:spcPct val="100000"/>
+              </a:lnSpc>
+              <a:spcBef>
+                <a:spcPct val="20000"/>
+              </a:spcBef>
+              <a:spcAft>
+                <a:spcPts val="0"/>
+              </a:spcAft>
+              <a:buClr>
+                <a:schemeClr val="tx1">
+                  <a:shade val="95000"/>
+                </a:schemeClr>
+              </a:buClr>
+              <a:buSzPct val="65000"/>
+              <a:tabLst/>
+              <a:defRPr/>
+            </a:pPr>
+            <a:r>
+              <a:rPr kumimoji="0" lang="en-US" sz="1600" b="0" i="0" u="none" strike="noStrike" kern="1200" cap="none" spc="0" normalizeH="0" baseline="0" noProof="0" dirty="0" err="1" smtClean="0">
+                <a:ln>
+                  <a:noFill/>
+                </a:ln>
+                <a:solidFill>
+                  <a:schemeClr val="tx1"/>
+                </a:solidFill>
+                <a:effectLst/>
+                <a:uLnTx/>
+                <a:uFillTx/>
+                <a:latin typeface="+mn-lt"/>
+                <a:ea typeface="+mn-ea"/>
+                <a:cs typeface="+mn-cs"/>
+              </a:rPr>
+              <a:t>Compitition</a:t>
+            </a:r>
+            <a:endParaRPr kumimoji="0" lang="en-US" sz="1600" b="0" i="0" u="none" strike="noStrike" kern="1200" cap="none" spc="0" normalizeH="0" baseline="0" noProof="0" dirty="0" smtClean="0">
+              <a:ln>
+                <a:noFill/>
+              </a:ln>
+              <a:solidFill>
+                <a:schemeClr val="tx1"/>
+              </a:solidFill>
+              <a:effectLst/>
+              <a:uLnTx/>
+              <a:uFillTx/>
+              <a:latin typeface="+mn-lt"/>
+              <a:ea typeface="+mn-ea"/>
+              <a:cs typeface="+mn-cs"/>
+            </a:endParaRPr>
+          </a:p>
+          <a:p>
+            <a:pPr marL="548640" marR="0" lvl="0" indent="-411480" algn="l" defTabSz="914400" rtl="0" eaLnBrk="1" fontAlgn="auto" latinLnBrk="0" hangingPunct="1">
+              <a:lnSpc>
+                <a:spcPct val="100000"/>
+              </a:lnSpc>
+              <a:spcBef>
+                <a:spcPct val="20000"/>
+              </a:spcBef>
+              <a:spcAft>
+                <a:spcPts val="0"/>
+              </a:spcAft>
+              <a:buClr>
+                <a:schemeClr val="tx1">
+                  <a:shade val="95000"/>
+                </a:schemeClr>
+              </a:buClr>
+              <a:buSzPct val="65000"/>
+              <a:tabLst/>
+              <a:defRPr/>
+            </a:pPr>
+            <a:endParaRPr kumimoji="0" lang="en-US" sz="1600" b="0" i="0" u="none" strike="noStrike" kern="1200" cap="none" spc="0" normalizeH="0" baseline="0" noProof="0" dirty="0" smtClean="0">
+              <a:ln>
+                <a:noFill/>
+              </a:ln>
+              <a:solidFill>
+                <a:schemeClr val="tx1"/>
+              </a:solidFill>
+              <a:effectLst/>
+              <a:uLnTx/>
+              <a:uFillTx/>
+              <a:latin typeface="+mn-lt"/>
+              <a:ea typeface="+mn-ea"/>
+              <a:cs typeface="+mn-cs"/>
+            </a:endParaRPr>
+          </a:p>
+          <a:p>
+            <a:r>
+              <a:rPr lang="en-US" sz="1600" dirty="0" smtClean="0"/>
+              <a:t>High</a:t>
+            </a:r>
+            <a:endParaRPr lang="en-US" sz="1600" dirty="0" smtClean="0"/>
+          </a:p>
+          <a:p>
+            <a:r>
+              <a:rPr lang="en-US" sz="1600" dirty="0" smtClean="0"/>
+              <a:t>High</a:t>
+            </a:r>
+          </a:p>
+          <a:p>
+            <a:r>
+              <a:rPr lang="en-US" sz="1600" dirty="0" smtClean="0"/>
+              <a:t>High</a:t>
+            </a:r>
+          </a:p>
+          <a:p>
+            <a:r>
+              <a:rPr lang="en-US" sz="1600" dirty="0" smtClean="0"/>
+              <a:t>Unknown</a:t>
+            </a:r>
+          </a:p>
+          <a:p>
+            <a:r>
+              <a:rPr lang="en-US" sz="1600" dirty="0" smtClean="0"/>
+              <a:t>High</a:t>
+            </a:r>
+          </a:p>
+          <a:p>
+            <a:r>
+              <a:rPr lang="en-US" sz="1600" dirty="0" smtClean="0"/>
+              <a:t>High</a:t>
+            </a:r>
+          </a:p>
+          <a:p>
+            <a:r>
+              <a:rPr lang="en-US" sz="1600" dirty="0" smtClean="0"/>
+              <a:t>High</a:t>
+            </a:r>
+          </a:p>
+          <a:p>
+            <a:r>
+              <a:rPr lang="en-US" sz="1600" dirty="0" smtClean="0"/>
+              <a:t>High</a:t>
+            </a:r>
+          </a:p>
+          <a:p>
+            <a:r>
+              <a:rPr lang="en-US" sz="1600" dirty="0" smtClean="0"/>
+              <a:t>Unknown</a:t>
+            </a:r>
+          </a:p>
+          <a:p>
+            <a:r>
+              <a:rPr lang="en-US" sz="1600" dirty="0" smtClean="0"/>
+              <a:t>High</a:t>
+            </a:r>
+          </a:p>
+          <a:p>
+            <a:r>
+              <a:rPr lang="en-US" sz="1600" dirty="0" smtClean="0"/>
+              <a:t>High</a:t>
+            </a:r>
+          </a:p>
+          <a:p>
+            <a:r>
+              <a:rPr lang="en-US" sz="1600" dirty="0" smtClean="0"/>
+              <a:t>Unknown</a:t>
+            </a:r>
+          </a:p>
+          <a:p>
+            <a:r>
+              <a:rPr lang="en-US" sz="1600" dirty="0" smtClean="0"/>
+              <a:t>High</a:t>
+            </a:r>
+          </a:p>
+          <a:p>
+            <a:r>
+              <a:rPr lang="en-US" sz="1600" dirty="0" smtClean="0"/>
+              <a:t>Unknown</a:t>
+            </a:r>
+          </a:p>
+          <a:p>
+            <a:r>
+              <a:rPr lang="en-US" sz="1600" dirty="0" smtClean="0"/>
+              <a:t>High</a:t>
+            </a:r>
+          </a:p>
+          <a:p>
+            <a:r>
+              <a:rPr lang="en-US" sz="1600" dirty="0" smtClean="0"/>
+              <a:t>Unknown</a:t>
+            </a:r>
+          </a:p>
+          <a:p>
+            <a:pPr marL="548640" marR="0" lvl="0" indent="-411480" algn="l" defTabSz="914400" rtl="0" eaLnBrk="1" fontAlgn="auto" latinLnBrk="0" hangingPunct="1">
+              <a:lnSpc>
+                <a:spcPct val="100000"/>
+              </a:lnSpc>
+              <a:spcBef>
+                <a:spcPct val="20000"/>
+              </a:spcBef>
+              <a:spcAft>
+                <a:spcPts val="0"/>
+              </a:spcAft>
+              <a:buClr>
+                <a:schemeClr val="tx1">
+                  <a:shade val="95000"/>
+                </a:schemeClr>
+              </a:buClr>
+              <a:buSzPct val="65000"/>
+              <a:buFont typeface="Wingdings 2"/>
+              <a:buChar char=""/>
+              <a:tabLst/>
+              <a:defRPr/>
+            </a:pPr>
+            <a:endParaRPr kumimoji="0" lang="en-US" sz="2800" b="0" i="0" u="none" strike="noStrike" kern="1200" cap="none" spc="0" normalizeH="0" baseline="0" noProof="0" dirty="0">
+              <a:ln>
+                <a:noFill/>
+              </a:ln>
+              <a:solidFill>
+                <a:schemeClr val="tx1"/>
+              </a:solidFill>
+              <a:effectLst/>
+              <a:uLnTx/>
+              <a:uFillTx/>
+              <a:latin typeface="+mn-lt"/>
+              <a:ea typeface="+mn-ea"/>
+              <a:cs typeface="+mn-cs"/>
+            </a:endParaRPr>
+          </a:p>
+        </p:txBody>
+      </p:sp>
+    </p:spTree>
+  </p:cSld>
+  <p:clrMapOvr>
+    <a:masterClrMapping/>
+  </p:clrMapOvr>
+</p:sld>
+</file>
+
+<file path=ppt/slides/slide14.xml><?xml version="1.0" encoding="utf-8"?>
+<p:sld xmlns:a="http://schemas.openxmlformats.org/drawingml/2006/main" xmlns:r="http://schemas.openxmlformats.org/officeDocument/2006/relationships" xmlns:p="http://schemas.openxmlformats.org/presentationml/2006/main">
+  <p:cSld>
+    <p:spTree>
+      <p:nvGrpSpPr>
+        <p:cNvPr id="1" name=""/>
+        <p:cNvGrpSpPr/>
+        <p:nvPr/>
+      </p:nvGrpSpPr>
+      <p:grpSpPr>
+        <a:xfrm>
+          <a:off x="0" y="0"/>
+          <a:ext cx="0" cy="0"/>
+          <a:chOff x="0" y="0"/>
+          <a:chExt cx="0" cy="0"/>
+        </a:xfrm>
+      </p:grpSpPr>
+      <p:sp>
+        <p:nvSpPr>
+          <p:cNvPr id="2" name="Title 1"/>
+          <p:cNvSpPr>
+            <a:spLocks noGrp="1"/>
+          </p:cNvSpPr>
+          <p:nvPr>
+            <p:ph type="title"/>
+          </p:nvPr>
+        </p:nvSpPr>
+        <p:spPr/>
+        <p:txBody>
+          <a:bodyPr>
+            <a:normAutofit fontScale="90000"/>
+          </a:bodyPr>
+          <a:lstStyle/>
+          <a:p>
+            <a:r>
+              <a:rPr lang="en-US" dirty="0" smtClean="0"/>
               <a:t>: Types of Google Ads for Social Media Marketing</a:t>
             </a:r>
             <a:endParaRPr lang="en-US" dirty="0"/>
@@ -4378,7 +5186,7 @@
 </p:sld>
 </file>
 
-<file path=ppt/slides/slide14.xml><?xml version="1.0" encoding="utf-8"?>
+<file path=ppt/slides/slide15.xml><?xml version="1.0" encoding="utf-8"?>
 <p:sld xmlns:a="http://schemas.openxmlformats.org/drawingml/2006/main" xmlns:r="http://schemas.openxmlformats.org/officeDocument/2006/relationships" xmlns:p="http://schemas.openxmlformats.org/presentationml/2006/main">
   <p:cSld>
     <p:spTree>
@@ -4512,7 +5320,7 @@
 </p:sld>
 </file>
 
-<file path=ppt/slides/slide15.xml><?xml version="1.0" encoding="utf-8"?>
+<file path=ppt/slides/slide16.xml><?xml version="1.0" encoding="utf-8"?>
 <p:sld xmlns:a="http://schemas.openxmlformats.org/drawingml/2006/main" xmlns:r="http://schemas.openxmlformats.org/officeDocument/2006/relationships" xmlns:p="http://schemas.openxmlformats.org/presentationml/2006/main">
   <p:cSld>
     <p:spTree>
@@ -4660,143 +5468,6 @@
 </p:sld>
 </file>
 
-<file path=ppt/slides/slide16.xml><?xml version="1.0" encoding="utf-8"?>
-<p:sld xmlns:a="http://schemas.openxmlformats.org/drawingml/2006/main" xmlns:r="http://schemas.openxmlformats.org/officeDocument/2006/relationships" xmlns:p="http://schemas.openxmlformats.org/presentationml/2006/main">
-  <p:cSld>
-    <p:spTree>
-      <p:nvGrpSpPr>
-        <p:cNvPr id="1" name=""/>
-        <p:cNvGrpSpPr/>
-        <p:nvPr/>
-      </p:nvGrpSpPr>
-      <p:grpSpPr>
-        <a:xfrm>
-          <a:off x="0" y="0"/>
-          <a:ext cx="0" cy="0"/>
-          <a:chOff x="0" y="0"/>
-          <a:chExt cx="0" cy="0"/>
-        </a:xfrm>
-      </p:grpSpPr>
-      <p:sp>
-        <p:nvSpPr>
-          <p:cNvPr id="2" name="Title 1"/>
-          <p:cNvSpPr>
-            <a:spLocks noGrp="1"/>
-          </p:cNvSpPr>
-          <p:nvPr>
-            <p:ph type="title"/>
-          </p:nvPr>
-        </p:nvSpPr>
-        <p:spPr/>
-        <p:txBody>
-          <a:bodyPr/>
-          <a:lstStyle/>
-          <a:p>
-            <a:endParaRPr lang="en-US"/>
-          </a:p>
-        </p:txBody>
-      </p:sp>
-      <p:sp>
-        <p:nvSpPr>
-          <p:cNvPr id="3" name="Content Placeholder 2"/>
-          <p:cNvSpPr>
-            <a:spLocks noGrp="1"/>
-          </p:cNvSpPr>
-          <p:nvPr>
-            <p:ph idx="1"/>
-          </p:nvPr>
-        </p:nvSpPr>
-        <p:spPr>
-          <a:xfrm>
-            <a:off x="304800" y="304800"/>
-            <a:ext cx="8686800" cy="5775325"/>
-          </a:xfrm>
-        </p:spPr>
-        <p:txBody>
-          <a:bodyPr>
-            <a:normAutofit fontScale="92500"/>
-          </a:bodyPr>
-          <a:lstStyle/>
-          <a:p>
-            <a:r>
-              <a:rPr lang="en-US" dirty="0" smtClean="0">
-                <a:solidFill>
-                  <a:srgbClr val="FF66CC"/>
-                </a:solidFill>
-                <a:latin typeface="Algerian" pitchFamily="82" charset="0"/>
-              </a:rPr>
-              <a:t>Trending Topics:</a:t>
-            </a:r>
-          </a:p>
-          <a:p>
-            <a:r>
-              <a:rPr lang="en-US" dirty="0" smtClean="0"/>
-              <a:t>Stay up-to-date with current events and conversations in your industry to capitalize on relevant trends.</a:t>
-            </a:r>
-          </a:p>
-          <a:p>
-            <a:endParaRPr lang="en-US" dirty="0" smtClean="0"/>
-          </a:p>
-          <a:p>
-            <a:r>
-              <a:rPr lang="en-US" dirty="0" smtClean="0">
-                <a:solidFill>
-                  <a:srgbClr val="FF66CC"/>
-                </a:solidFill>
-                <a:latin typeface="Algerian" pitchFamily="82" charset="0"/>
-              </a:rPr>
-              <a:t>User-Generated Content:</a:t>
-            </a:r>
-          </a:p>
-          <a:p>
-            <a:r>
-              <a:rPr lang="en-US" dirty="0" smtClean="0"/>
-              <a:t>Encourage your audience to share their experiences and content, which can help build trust and engagement.</a:t>
-            </a:r>
-          </a:p>
-          <a:p>
-            <a:endParaRPr lang="en-US" dirty="0" smtClean="0"/>
-          </a:p>
-          <a:p>
-            <a:r>
-              <a:rPr lang="en-US" dirty="0" smtClean="0">
-                <a:solidFill>
-                  <a:srgbClr val="FF66CC"/>
-                </a:solidFill>
-                <a:latin typeface="Algerian" pitchFamily="82" charset="0"/>
-              </a:rPr>
-              <a:t>Seasonal Campaign :</a:t>
-            </a:r>
-          </a:p>
-          <a:p>
-            <a:r>
-              <a:rPr lang="en-US" dirty="0" smtClean="0"/>
-              <a:t>Develop content and campaigns that align with holidays, events, or seasonal shifts in your industry</a:t>
-            </a:r>
-          </a:p>
-          <a:p>
-            <a:endParaRPr lang="en-US" dirty="0" smtClean="0"/>
-          </a:p>
-          <a:p>
-            <a:endParaRPr lang="en-US" dirty="0"/>
-          </a:p>
-        </p:txBody>
-      </p:sp>
-    </p:spTree>
-  </p:cSld>
-  <p:clrMapOvr>
-    <a:masterClrMapping/>
-  </p:clrMapOvr>
-  <p:timing>
-    <p:tnLst>
-      <p:par>
-        <p:cTn id="1" dur="indefinite" restart="never" nodeType="tmRoot"/>
-      </p:par>
-    </p:tnLst>
-  </p:timing>
-</p:sld>
-</file>
-
 <file path=ppt/slides/slide17.xml><?xml version="1.0" encoding="utf-8"?>
 <p:sld xmlns:a="http://schemas.openxmlformats.org/drawingml/2006/main" xmlns:r="http://schemas.openxmlformats.org/officeDocument/2006/relationships" xmlns:p="http://schemas.openxmlformats.org/presentationml/2006/main">
   <p:cSld>
@@ -4826,33 +5497,32 @@
         </p:nvSpPr>
         <p:spPr/>
         <p:txBody>
+          <a:bodyPr/>
+          <a:lstStyle/>
+          <a:p>
+            <a:endParaRPr lang="en-US"/>
+          </a:p>
+        </p:txBody>
+      </p:sp>
+      <p:sp>
+        <p:nvSpPr>
+          <p:cNvPr id="3" name="Content Placeholder 2"/>
+          <p:cNvSpPr>
+            <a:spLocks noGrp="1"/>
+          </p:cNvSpPr>
+          <p:nvPr>
+            <p:ph idx="1"/>
+          </p:nvPr>
+        </p:nvSpPr>
+        <p:spPr>
+          <a:xfrm>
+            <a:off x="304800" y="304800"/>
+            <a:ext cx="8686800" cy="5775325"/>
+          </a:xfrm>
+        </p:spPr>
+        <p:txBody>
           <a:bodyPr>
-            <a:normAutofit fontScale="90000"/>
-          </a:bodyPr>
-          <a:lstStyle/>
-          <a:p>
-            <a:r>
-              <a:rPr lang="en-US" dirty="0" smtClean="0"/>
-              <a:t>: Creating Engaging Content Copies</a:t>
-            </a:r>
-            <a:endParaRPr lang="en-US" dirty="0"/>
-          </a:p>
-        </p:txBody>
-      </p:sp>
-      <p:sp>
-        <p:nvSpPr>
-          <p:cNvPr id="3" name="Content Placeholder 2"/>
-          <p:cNvSpPr>
-            <a:spLocks noGrp="1"/>
-          </p:cNvSpPr>
-          <p:nvPr>
-            <p:ph idx="1"/>
-          </p:nvPr>
-        </p:nvSpPr>
-        <p:spPr/>
-        <p:txBody>
-          <a:bodyPr>
-            <a:normAutofit fontScale="85000" lnSpcReduction="20000"/>
+            <a:normAutofit fontScale="92500"/>
           </a:bodyPr>
           <a:lstStyle/>
           <a:p>
@@ -4863,14 +5533,17 @@
                 </a:solidFill>
                 <a:latin typeface="Algerian" pitchFamily="82" charset="0"/>
               </a:rPr>
-              <a:t>Compelling Headlines:</a:t>
+              <a:t>Trending Topics:</a:t>
             </a:r>
           </a:p>
           <a:p>
             <a:r>
               <a:rPr lang="en-US" dirty="0" smtClean="0"/>
-              <a:t>Craft attention-grabbing headlines that compel your audience to read and engage with your content.</a:t>
-            </a:r>
+              <a:t>Stay up-to-date with current events and conversations in your industry to capitalize on relevant trends.</a:t>
+            </a:r>
+          </a:p>
+          <a:p>
+            <a:endParaRPr lang="en-US" dirty="0" smtClean="0"/>
           </a:p>
           <a:p>
             <a:r>
@@ -4880,14 +5553,17 @@
                 </a:solidFill>
                 <a:latin typeface="Algerian" pitchFamily="82" charset="0"/>
               </a:rPr>
-              <a:t>Storytelling Approach:</a:t>
+              <a:t>User-Generated Content:</a:t>
             </a:r>
           </a:p>
           <a:p>
             <a:r>
               <a:rPr lang="en-US" dirty="0" smtClean="0"/>
-              <a:t>Use a narrative-driven approach to connect with your audience on an emotional level and make your content more memorable.</a:t>
-            </a:r>
+              <a:t>Encourage your audience to share their experiences and content, which can help build trust and engagement.</a:t>
+            </a:r>
+          </a:p>
+          <a:p>
+            <a:endParaRPr lang="en-US" dirty="0" smtClean="0"/>
           </a:p>
           <a:p>
             <a:r>
@@ -4897,31 +5573,17 @@
                 </a:solidFill>
                 <a:latin typeface="Algerian" pitchFamily="82" charset="0"/>
               </a:rPr>
-              <a:t>Personalization:</a:t>
+              <a:t>Seasonal Campaign :</a:t>
             </a:r>
           </a:p>
           <a:p>
             <a:r>
               <a:rPr lang="en-US" dirty="0" smtClean="0"/>
-              <a:t>Tailor your content to speak directly to your target audience and address their specific pain points or interests.</a:t>
-            </a:r>
-          </a:p>
-          <a:p>
-            <a:r>
-              <a:rPr lang="en-US" dirty="0" smtClean="0">
-                <a:solidFill>
-                  <a:srgbClr val="FF66CC"/>
-                </a:solidFill>
-                <a:latin typeface="Algerian" pitchFamily="82" charset="0"/>
-              </a:rPr>
-              <a:t>Concise and Clear:</a:t>
-            </a:r>
-          </a:p>
-          <a:p>
-            <a:r>
-              <a:rPr lang="en-US" dirty="0" smtClean="0"/>
-              <a:t>Keep your copy straightforward, easy to read, and free from jargon to ensure your message is understood</a:t>
-            </a:r>
+              <a:t>Develop content and campaigns that align with holidays, events, or seasonal shifts in your industry</a:t>
+            </a:r>
+          </a:p>
+          <a:p>
+            <a:endParaRPr lang="en-US" dirty="0" smtClean="0"/>
           </a:p>
           <a:p>
             <a:endParaRPr lang="en-US" dirty="0"/>
@@ -4944,6 +5606,152 @@
 </file>
 
 <file path=ppt/slides/slide18.xml><?xml version="1.0" encoding="utf-8"?>
+<p:sld xmlns:a="http://schemas.openxmlformats.org/drawingml/2006/main" xmlns:r="http://schemas.openxmlformats.org/officeDocument/2006/relationships" xmlns:p="http://schemas.openxmlformats.org/presentationml/2006/main">
+  <p:cSld>
+    <p:spTree>
+      <p:nvGrpSpPr>
+        <p:cNvPr id="1" name=""/>
+        <p:cNvGrpSpPr/>
+        <p:nvPr/>
+      </p:nvGrpSpPr>
+      <p:grpSpPr>
+        <a:xfrm>
+          <a:off x="0" y="0"/>
+          <a:ext cx="0" cy="0"/>
+          <a:chOff x="0" y="0"/>
+          <a:chExt cx="0" cy="0"/>
+        </a:xfrm>
+      </p:grpSpPr>
+      <p:sp>
+        <p:nvSpPr>
+          <p:cNvPr id="2" name="Title 1"/>
+          <p:cNvSpPr>
+            <a:spLocks noGrp="1"/>
+          </p:cNvSpPr>
+          <p:nvPr>
+            <p:ph type="title"/>
+          </p:nvPr>
+        </p:nvSpPr>
+        <p:spPr/>
+        <p:txBody>
+          <a:bodyPr>
+            <a:normAutofit fontScale="90000"/>
+          </a:bodyPr>
+          <a:lstStyle/>
+          <a:p>
+            <a:r>
+              <a:rPr lang="en-US" dirty="0" smtClean="0"/>
+              <a:t>: Creating Engaging Content Copies</a:t>
+            </a:r>
+            <a:endParaRPr lang="en-US" dirty="0"/>
+          </a:p>
+        </p:txBody>
+      </p:sp>
+      <p:sp>
+        <p:nvSpPr>
+          <p:cNvPr id="3" name="Content Placeholder 2"/>
+          <p:cNvSpPr>
+            <a:spLocks noGrp="1"/>
+          </p:cNvSpPr>
+          <p:nvPr>
+            <p:ph idx="1"/>
+          </p:nvPr>
+        </p:nvSpPr>
+        <p:spPr/>
+        <p:txBody>
+          <a:bodyPr>
+            <a:normAutofit fontScale="85000" lnSpcReduction="20000"/>
+          </a:bodyPr>
+          <a:lstStyle/>
+          <a:p>
+            <a:r>
+              <a:rPr lang="en-US" dirty="0" smtClean="0">
+                <a:solidFill>
+                  <a:srgbClr val="FF66CC"/>
+                </a:solidFill>
+                <a:latin typeface="Algerian" pitchFamily="82" charset="0"/>
+              </a:rPr>
+              <a:t>Compelling Headlines:</a:t>
+            </a:r>
+          </a:p>
+          <a:p>
+            <a:r>
+              <a:rPr lang="en-US" dirty="0" smtClean="0"/>
+              <a:t>Craft attention-grabbing headlines that compel your audience to read and engage with your content.</a:t>
+            </a:r>
+          </a:p>
+          <a:p>
+            <a:r>
+              <a:rPr lang="en-US" dirty="0" smtClean="0">
+                <a:solidFill>
+                  <a:srgbClr val="FF66CC"/>
+                </a:solidFill>
+                <a:latin typeface="Algerian" pitchFamily="82" charset="0"/>
+              </a:rPr>
+              <a:t>Storytelling Approach:</a:t>
+            </a:r>
+          </a:p>
+          <a:p>
+            <a:r>
+              <a:rPr lang="en-US" dirty="0" smtClean="0"/>
+              <a:t>Use a narrative-driven approach to connect with your audience on an emotional level and make your content more memorable.</a:t>
+            </a:r>
+          </a:p>
+          <a:p>
+            <a:r>
+              <a:rPr lang="en-US" dirty="0" smtClean="0">
+                <a:solidFill>
+                  <a:srgbClr val="FF66CC"/>
+                </a:solidFill>
+                <a:latin typeface="Algerian" pitchFamily="82" charset="0"/>
+              </a:rPr>
+              <a:t>Personalization:</a:t>
+            </a:r>
+          </a:p>
+          <a:p>
+            <a:r>
+              <a:rPr lang="en-US" dirty="0" smtClean="0"/>
+              <a:t>Tailor your content to speak directly to your target audience and address their specific pain points or interests.</a:t>
+            </a:r>
+          </a:p>
+          <a:p>
+            <a:r>
+              <a:rPr lang="en-US" dirty="0" smtClean="0">
+                <a:solidFill>
+                  <a:srgbClr val="FF66CC"/>
+                </a:solidFill>
+                <a:latin typeface="Algerian" pitchFamily="82" charset="0"/>
+              </a:rPr>
+              <a:t>Concise and Clear:</a:t>
+            </a:r>
+          </a:p>
+          <a:p>
+            <a:r>
+              <a:rPr lang="en-US" dirty="0" smtClean="0"/>
+              <a:t>Keep your copy straightforward, easy to read, and free from jargon to ensure your message is understood</a:t>
+            </a:r>
+          </a:p>
+          <a:p>
+            <a:endParaRPr lang="en-US" dirty="0"/>
+          </a:p>
+        </p:txBody>
+      </p:sp>
+    </p:spTree>
+  </p:cSld>
+  <p:clrMapOvr>
+    <a:masterClrMapping/>
+  </p:clrMapOvr>
+  <p:timing>
+    <p:tnLst>
+      <p:par>
+        <p:cTn id="1" dur="indefinite" restart="never" nodeType="tmRoot"/>
+      </p:par>
+    </p:tnLst>
+  </p:timing>
+</p:sld>
+</file>
+
+<file path=ppt/slides/slide19.xml><?xml version="1.0" encoding="utf-8"?>
 <p:sld xmlns:a="http://schemas.openxmlformats.org/drawingml/2006/main" xmlns:r="http://schemas.openxmlformats.org/officeDocument/2006/relationships" xmlns:p="http://schemas.openxmlformats.org/presentationml/2006/main">
   <p:cSld>
     <p:spTree>
@@ -5118,7 +5926,103 @@
 </p:sld>
 </file>
 
-<file path=ppt/slides/slide19.xml><?xml version="1.0" encoding="utf-8"?>
+<file path=ppt/slides/slide2.xml><?xml version="1.0" encoding="utf-8"?>
+<p:sld xmlns:a="http://schemas.openxmlformats.org/drawingml/2006/main" xmlns:r="http://schemas.openxmlformats.org/officeDocument/2006/relationships" xmlns:p="http://schemas.openxmlformats.org/presentationml/2006/main">
+  <p:cSld>
+    <p:spTree>
+      <p:nvGrpSpPr>
+        <p:cNvPr id="1" name=""/>
+        <p:cNvGrpSpPr/>
+        <p:nvPr/>
+      </p:nvGrpSpPr>
+      <p:grpSpPr>
+        <a:xfrm>
+          <a:off x="0" y="0"/>
+          <a:ext cx="0" cy="0"/>
+          <a:chOff x="0" y="0"/>
+          <a:chExt cx="0" cy="0"/>
+        </a:xfrm>
+      </p:grpSpPr>
+      <p:sp>
+        <p:nvSpPr>
+          <p:cNvPr id="2" name="Title 1"/>
+          <p:cNvSpPr>
+            <a:spLocks noGrp="1"/>
+          </p:cNvSpPr>
+          <p:nvPr>
+            <p:ph type="title"/>
+          </p:nvPr>
+        </p:nvSpPr>
+        <p:spPr/>
+        <p:txBody>
+          <a:bodyPr/>
+          <a:lstStyle/>
+          <a:p>
+            <a:r>
+              <a:rPr lang="en-US" b="1" i="1" u="sng" dirty="0" smtClean="0">
+                <a:solidFill>
+                  <a:srgbClr val="C00000"/>
+                </a:solidFill>
+              </a:rPr>
+              <a:t>Brand  logo</a:t>
+            </a:r>
+            <a:endParaRPr lang="en-US" b="1" i="1" u="sng" dirty="0">
+              <a:solidFill>
+                <a:srgbClr val="C00000"/>
+              </a:solidFill>
+            </a:endParaRPr>
+          </a:p>
+        </p:txBody>
+      </p:sp>
+      <p:pic>
+        <p:nvPicPr>
+          <p:cNvPr id="2050" name="Picture 2" descr="C:\Users\Suraj and Prince\Downloads\WhatsApp Image 2024-08-20 at 13.39.30.jpeg"/>
+          <p:cNvPicPr>
+            <a:picLocks noGrp="1" noChangeAspect="1" noChangeArrowheads="1"/>
+          </p:cNvPicPr>
+          <p:nvPr>
+            <p:ph idx="1"/>
+          </p:nvPr>
+        </p:nvPicPr>
+        <p:blipFill>
+          <a:blip r:embed="rId2"/>
+          <a:srcRect/>
+          <a:stretch>
+            <a:fillRect/>
+          </a:stretch>
+        </p:blipFill>
+        <p:spPr bwMode="auto">
+          <a:xfrm>
+            <a:off x="381000" y="1143000"/>
+            <a:ext cx="8077200" cy="5410200"/>
+          </a:xfrm>
+          <a:prstGeom prst="bevel">
+            <a:avLst/>
+          </a:prstGeom>
+          <a:noFill/>
+          <a:ln w="57150">
+            <a:solidFill>
+              <a:schemeClr val="tx1"/>
+            </a:solidFill>
+          </a:ln>
+        </p:spPr>
+      </p:pic>
+    </p:spTree>
+  </p:cSld>
+  <p:clrMapOvr>
+    <a:masterClrMapping/>
+  </p:clrMapOvr>
+  <p:timing>
+    <p:tnLst>
+      <p:par>
+        <p:cTn id="1" dur="indefinite" restart="never" nodeType="tmRoot"/>
+      </p:par>
+    </p:tnLst>
+  </p:timing>
+</p:sld>
+</file>
+
+<file path=ppt/slides/slide20.xml><?xml version="1.0" encoding="utf-8"?>
 <p:sld xmlns:a="http://schemas.openxmlformats.org/drawingml/2006/main" xmlns:r="http://schemas.openxmlformats.org/officeDocument/2006/relationships" xmlns:p="http://schemas.openxmlformats.org/presentationml/2006/main">
   <p:cSld>
     <p:spTree>
@@ -5284,103 +6188,7 @@
 </p:sld>
 </file>
 
-<file path=ppt/slides/slide2.xml><?xml version="1.0" encoding="utf-8"?>
-<p:sld xmlns:a="http://schemas.openxmlformats.org/drawingml/2006/main" xmlns:r="http://schemas.openxmlformats.org/officeDocument/2006/relationships" xmlns:p="http://schemas.openxmlformats.org/presentationml/2006/main">
-  <p:cSld>
-    <p:spTree>
-      <p:nvGrpSpPr>
-        <p:cNvPr id="1" name=""/>
-        <p:cNvGrpSpPr/>
-        <p:nvPr/>
-      </p:nvGrpSpPr>
-      <p:grpSpPr>
-        <a:xfrm>
-          <a:off x="0" y="0"/>
-          <a:ext cx="0" cy="0"/>
-          <a:chOff x="0" y="0"/>
-          <a:chExt cx="0" cy="0"/>
-        </a:xfrm>
-      </p:grpSpPr>
-      <p:sp>
-        <p:nvSpPr>
-          <p:cNvPr id="2" name="Title 1"/>
-          <p:cNvSpPr>
-            <a:spLocks noGrp="1"/>
-          </p:cNvSpPr>
-          <p:nvPr>
-            <p:ph type="title"/>
-          </p:nvPr>
-        </p:nvSpPr>
-        <p:spPr/>
-        <p:txBody>
-          <a:bodyPr/>
-          <a:lstStyle/>
-          <a:p>
-            <a:r>
-              <a:rPr lang="en-US" b="1" i="1" u="sng" dirty="0" smtClean="0">
-                <a:solidFill>
-                  <a:srgbClr val="C00000"/>
-                </a:solidFill>
-              </a:rPr>
-              <a:t>Brand  logo</a:t>
-            </a:r>
-            <a:endParaRPr lang="en-US" b="1" i="1" u="sng" dirty="0">
-              <a:solidFill>
-                <a:srgbClr val="C00000"/>
-              </a:solidFill>
-            </a:endParaRPr>
-          </a:p>
-        </p:txBody>
-      </p:sp>
-      <p:pic>
-        <p:nvPicPr>
-          <p:cNvPr id="2050" name="Picture 2" descr="C:\Users\Suraj and Prince\Downloads\WhatsApp Image 2024-08-20 at 13.39.30.jpeg"/>
-          <p:cNvPicPr>
-            <a:picLocks noGrp="1" noChangeAspect="1" noChangeArrowheads="1"/>
-          </p:cNvPicPr>
-          <p:nvPr>
-            <p:ph idx="1"/>
-          </p:nvPr>
-        </p:nvPicPr>
-        <p:blipFill>
-          <a:blip r:embed="rId2"/>
-          <a:srcRect/>
-          <a:stretch>
-            <a:fillRect/>
-          </a:stretch>
-        </p:blipFill>
-        <p:spPr bwMode="auto">
-          <a:xfrm>
-            <a:off x="381000" y="1143000"/>
-            <a:ext cx="8077200" cy="5410200"/>
-          </a:xfrm>
-          <a:prstGeom prst="bevel">
-            <a:avLst/>
-          </a:prstGeom>
-          <a:noFill/>
-          <a:ln w="57150">
-            <a:solidFill>
-              <a:schemeClr val="tx1"/>
-            </a:solidFill>
-          </a:ln>
-        </p:spPr>
-      </p:pic>
-    </p:spTree>
-  </p:cSld>
-  <p:clrMapOvr>
-    <a:masterClrMapping/>
-  </p:clrMapOvr>
-  <p:timing>
-    <p:tnLst>
-      <p:par>
-        <p:cTn id="1" dur="indefinite" restart="never" nodeType="tmRoot"/>
-      </p:par>
-    </p:tnLst>
-  </p:timing>
-</p:sld>
-</file>
-
-<file path=ppt/slides/slide20.xml><?xml version="1.0" encoding="utf-8"?>
+<file path=ppt/slides/slide21.xml><?xml version="1.0" encoding="utf-8"?>
 <p:sld xmlns:a="http://schemas.openxmlformats.org/drawingml/2006/main" xmlns:r="http://schemas.openxmlformats.org/officeDocument/2006/relationships" xmlns:p="http://schemas.openxmlformats.org/presentationml/2006/main">
   <p:cSld>
     <p:spTree>
